--- a/ref/00.architect/02. ftrules(퍼블리싱 작성 가이드).pptx
+++ b/ref/00.architect/02. ftrules(퍼블리싱 작성 가이드).pptx
@@ -253,7 +253,7 @@
           <a:p>
             <a:fld id="{AB0E5B45-2054-4484-ABA2-75CE4889F6A4}" type="datetimeFigureOut">
               <a:rPr lang="ko-KR" altLang="en-US" smtClean="0"/>
-              <a:t>2/28/2015</a:t>
+              <a:t>3/3/2015</a:t>
             </a:fld>
             <a:endParaRPr lang="ko-KR" altLang="en-US"/>
           </a:p>
@@ -820,7 +820,7 @@
           <a:p>
             <a:fld id="{A6ABBAD7-BCE8-481B-9ED1-25EE51C30FB0}" type="datetimeFigureOut">
               <a:rPr lang="ko-KR" altLang="en-US" smtClean="0"/>
-              <a:t>2/28/2015</a:t>
+              <a:t>3/3/2015</a:t>
             </a:fld>
             <a:endParaRPr lang="ko-KR" altLang="en-US"/>
           </a:p>
@@ -1080,7 +1080,7 @@
           <a:p>
             <a:fld id="{A6ABBAD7-BCE8-481B-9ED1-25EE51C30FB0}" type="datetimeFigureOut">
               <a:rPr lang="ko-KR" altLang="en-US" smtClean="0"/>
-              <a:t>2/28/2015</a:t>
+              <a:t>3/3/2015</a:t>
             </a:fld>
             <a:endParaRPr lang="ko-KR" altLang="en-US"/>
           </a:p>
@@ -1257,7 +1257,7 @@
           <a:p>
             <a:fld id="{A6ABBAD7-BCE8-481B-9ED1-25EE51C30FB0}" type="datetimeFigureOut">
               <a:rPr lang="ko-KR" altLang="en-US" smtClean="0"/>
-              <a:t>2/28/2015</a:t>
+              <a:t>3/3/2015</a:t>
             </a:fld>
             <a:endParaRPr lang="ko-KR" altLang="en-US"/>
           </a:p>
@@ -1444,7 +1444,7 @@
           <a:p>
             <a:fld id="{A6ABBAD7-BCE8-481B-9ED1-25EE51C30FB0}" type="datetimeFigureOut">
               <a:rPr lang="ko-KR" altLang="en-US" smtClean="0"/>
-              <a:t>2/28/2015</a:t>
+              <a:t>3/3/2015</a:t>
             </a:fld>
             <a:endParaRPr lang="ko-KR" altLang="en-US"/>
           </a:p>
@@ -1744,7 +1744,11 @@
           <a:p>
             <a:r>
               <a:rPr lang="en-US" altLang="ko-KR" smtClean="0"/>
-              <a:t>ver 1.0.0 </a:t>
+              <a:t>ver </a:t>
+            </a:r>
+            <a:r>
+              <a:rPr lang="en-US" altLang="ko-KR" smtClean="0"/>
+              <a:t>1.1 </a:t>
             </a:r>
             <a:endParaRPr lang="ko-KR" altLang="en-US" dirty="0"/>
           </a:p>
@@ -2557,7 +2561,7 @@
           <a:p>
             <a:fld id="{A6ABBAD7-BCE8-481B-9ED1-25EE51C30FB0}" type="datetimeFigureOut">
               <a:rPr lang="ko-KR" altLang="en-US" smtClean="0"/>
-              <a:t>2/28/2015</a:t>
+              <a:t>3/3/2015</a:t>
             </a:fld>
             <a:endParaRPr lang="ko-KR" altLang="en-US"/>
           </a:p>
@@ -2796,7 +2800,7 @@
           <a:p>
             <a:fld id="{A6ABBAD7-BCE8-481B-9ED1-25EE51C30FB0}" type="datetimeFigureOut">
               <a:rPr lang="ko-KR" altLang="en-US" smtClean="0"/>
-              <a:t>2/28/2015</a:t>
+              <a:t>3/3/2015</a:t>
             </a:fld>
             <a:endParaRPr lang="ko-KR" altLang="en-US"/>
           </a:p>
@@ -3170,7 +3174,7 @@
           <a:p>
             <a:fld id="{A6ABBAD7-BCE8-481B-9ED1-25EE51C30FB0}" type="datetimeFigureOut">
               <a:rPr lang="ko-KR" altLang="en-US" smtClean="0"/>
-              <a:t>2/28/2015</a:t>
+              <a:t>3/3/2015</a:t>
             </a:fld>
             <a:endParaRPr lang="ko-KR" altLang="en-US"/>
           </a:p>
@@ -3295,7 +3299,7 @@
           <a:p>
             <a:fld id="{A6ABBAD7-BCE8-481B-9ED1-25EE51C30FB0}" type="datetimeFigureOut">
               <a:rPr lang="ko-KR" altLang="en-US" smtClean="0"/>
-              <a:t>2/28/2015</a:t>
+              <a:t>3/3/2015</a:t>
             </a:fld>
             <a:endParaRPr lang="ko-KR" altLang="en-US"/>
           </a:p>
@@ -3397,7 +3401,7 @@
           <a:p>
             <a:fld id="{A6ABBAD7-BCE8-481B-9ED1-25EE51C30FB0}" type="datetimeFigureOut">
               <a:rPr lang="ko-KR" altLang="en-US" smtClean="0"/>
-              <a:t>2/28/2015</a:t>
+              <a:t>3/3/2015</a:t>
             </a:fld>
             <a:endParaRPr lang="ko-KR" altLang="en-US"/>
           </a:p>
@@ -3681,7 +3685,7 @@
           <a:p>
             <a:fld id="{A6ABBAD7-BCE8-481B-9ED1-25EE51C30FB0}" type="datetimeFigureOut">
               <a:rPr lang="ko-KR" altLang="en-US" smtClean="0"/>
-              <a:t>2/28/2015</a:t>
+              <a:t>3/3/2015</a:t>
             </a:fld>
             <a:endParaRPr lang="ko-KR" altLang="en-US"/>
           </a:p>
@@ -3901,7 +3905,7 @@
           <a:p>
             <a:fld id="{A6ABBAD7-BCE8-481B-9ED1-25EE51C30FB0}" type="datetimeFigureOut">
               <a:rPr lang="ko-KR" altLang="en-US" smtClean="0"/>
-              <a:t>2/28/2015</a:t>
+              <a:t>3/3/2015</a:t>
             </a:fld>
             <a:endParaRPr lang="ko-KR" altLang="en-US"/>
           </a:p>
@@ -4314,210 +4318,6 @@
           <a:chExt cx="0" cy="0"/>
         </a:xfrm>
       </p:grpSpPr>
-      <p:sp>
-        <p:nvSpPr>
-          <p:cNvPr id="3" name="TextBox 2"/>
-          <p:cNvSpPr txBox="1">
-            <a:spLocks noChangeArrowheads="1"/>
-          </p:cNvSpPr>
-          <p:nvPr/>
-        </p:nvSpPr>
-        <p:spPr bwMode="auto">
-          <a:xfrm>
-            <a:off x="965412" y="2817514"/>
-            <a:ext cx="10464587" cy="369888"/>
-          </a:xfrm>
-          <a:prstGeom prst="rect">
-            <a:avLst/>
-          </a:prstGeom>
-          <a:noFill/>
-          <a:ln>
-            <a:noFill/>
-          </a:ln>
-          <a:extLst>
-            <a:ext uri="{909E8E84-426E-40DD-AFC4-6F175D3DCCD1}">
-              <a14:hiddenFill xmlns:a14="http://schemas.microsoft.com/office/drawing/2010/main">
-                <a:solidFill>
-                  <a:srgbClr val="FFFFFF"/>
-                </a:solidFill>
-              </a14:hiddenFill>
-            </a:ext>
-            <a:ext uri="{91240B29-F687-4F45-9708-019B960494DF}">
-              <a14:hiddenLine xmlns:a14="http://schemas.microsoft.com/office/drawing/2010/main" w="9525">
-                <a:solidFill>
-                  <a:srgbClr val="000000"/>
-                </a:solidFill>
-                <a:miter lim="800000"/>
-                <a:headEnd/>
-                <a:tailEnd/>
-              </a14:hiddenLine>
-            </a:ext>
-          </a:extLst>
-        </p:spPr>
-        <p:txBody>
-          <a:bodyPr wrap="square">
-            <a:spAutoFit/>
-          </a:bodyPr>
-          <a:lstStyle>
-            <a:lvl1pPr latinLnBrk="1">
-              <a:spcBef>
-                <a:spcPct val="20000"/>
-              </a:spcBef>
-              <a:buFont typeface="Arial" panose="020B0604020202020204" pitchFamily="34" charset="0"/>
-              <a:buChar char="•"/>
-              <a:defRPr sz="3200">
-                <a:solidFill>
-                  <a:schemeClr val="tx1"/>
-                </a:solidFill>
-                <a:latin typeface="맑은 고딕" panose="020B0503020000020004" pitchFamily="50" charset="-127"/>
-                <a:ea typeface="맑은 고딕" panose="020B0503020000020004" pitchFamily="50" charset="-127"/>
-              </a:defRPr>
-            </a:lvl1pPr>
-            <a:lvl2pPr marL="742950" indent="-285750" latinLnBrk="1">
-              <a:spcBef>
-                <a:spcPct val="20000"/>
-              </a:spcBef>
-              <a:buFont typeface="Arial" panose="020B0604020202020204" pitchFamily="34" charset="0"/>
-              <a:buChar char="–"/>
-              <a:defRPr sz="2800">
-                <a:solidFill>
-                  <a:schemeClr val="tx1"/>
-                </a:solidFill>
-                <a:latin typeface="맑은 고딕" panose="020B0503020000020004" pitchFamily="50" charset="-127"/>
-                <a:ea typeface="맑은 고딕" panose="020B0503020000020004" pitchFamily="50" charset="-127"/>
-              </a:defRPr>
-            </a:lvl2pPr>
-            <a:lvl3pPr marL="1143000" indent="-228600" latinLnBrk="1">
-              <a:spcBef>
-                <a:spcPct val="20000"/>
-              </a:spcBef>
-              <a:buFont typeface="Arial" panose="020B0604020202020204" pitchFamily="34" charset="0"/>
-              <a:buChar char="•"/>
-              <a:defRPr sz="2400">
-                <a:solidFill>
-                  <a:schemeClr val="tx1"/>
-                </a:solidFill>
-                <a:latin typeface="맑은 고딕" panose="020B0503020000020004" pitchFamily="50" charset="-127"/>
-                <a:ea typeface="맑은 고딕" panose="020B0503020000020004" pitchFamily="50" charset="-127"/>
-              </a:defRPr>
-            </a:lvl3pPr>
-            <a:lvl4pPr marL="1600200" indent="-228600" latinLnBrk="1">
-              <a:spcBef>
-                <a:spcPct val="20000"/>
-              </a:spcBef>
-              <a:buFont typeface="Arial" panose="020B0604020202020204" pitchFamily="34" charset="0"/>
-              <a:buChar char="–"/>
-              <a:defRPr sz="2000">
-                <a:solidFill>
-                  <a:schemeClr val="tx1"/>
-                </a:solidFill>
-                <a:latin typeface="맑은 고딕" panose="020B0503020000020004" pitchFamily="50" charset="-127"/>
-                <a:ea typeface="맑은 고딕" panose="020B0503020000020004" pitchFamily="50" charset="-127"/>
-              </a:defRPr>
-            </a:lvl4pPr>
-            <a:lvl5pPr marL="2057400" indent="-228600" latinLnBrk="1">
-              <a:spcBef>
-                <a:spcPct val="20000"/>
-              </a:spcBef>
-              <a:buFont typeface="Arial" panose="020B0604020202020204" pitchFamily="34" charset="0"/>
-              <a:buChar char="»"/>
-              <a:defRPr sz="2000">
-                <a:solidFill>
-                  <a:schemeClr val="tx1"/>
-                </a:solidFill>
-                <a:latin typeface="맑은 고딕" panose="020B0503020000020004" pitchFamily="50" charset="-127"/>
-                <a:ea typeface="맑은 고딕" panose="020B0503020000020004" pitchFamily="50" charset="-127"/>
-              </a:defRPr>
-            </a:lvl5pPr>
-            <a:lvl6pPr marL="2514600" indent="-228600" eaLnBrk="0" fontAlgn="base" hangingPunct="0">
-              <a:spcBef>
-                <a:spcPct val="20000"/>
-              </a:spcBef>
-              <a:spcAft>
-                <a:spcPct val="0"/>
-              </a:spcAft>
-              <a:buFont typeface="Arial" panose="020B0604020202020204" pitchFamily="34" charset="0"/>
-              <a:buChar char="»"/>
-              <a:defRPr sz="2000">
-                <a:solidFill>
-                  <a:schemeClr val="tx1"/>
-                </a:solidFill>
-                <a:latin typeface="맑은 고딕" panose="020B0503020000020004" pitchFamily="50" charset="-127"/>
-                <a:ea typeface="맑은 고딕" panose="020B0503020000020004" pitchFamily="50" charset="-127"/>
-              </a:defRPr>
-            </a:lvl6pPr>
-            <a:lvl7pPr marL="2971800" indent="-228600" eaLnBrk="0" fontAlgn="base" hangingPunct="0">
-              <a:spcBef>
-                <a:spcPct val="20000"/>
-              </a:spcBef>
-              <a:spcAft>
-                <a:spcPct val="0"/>
-              </a:spcAft>
-              <a:buFont typeface="Arial" panose="020B0604020202020204" pitchFamily="34" charset="0"/>
-              <a:buChar char="»"/>
-              <a:defRPr sz="2000">
-                <a:solidFill>
-                  <a:schemeClr val="tx1"/>
-                </a:solidFill>
-                <a:latin typeface="맑은 고딕" panose="020B0503020000020004" pitchFamily="50" charset="-127"/>
-                <a:ea typeface="맑은 고딕" panose="020B0503020000020004" pitchFamily="50" charset="-127"/>
-              </a:defRPr>
-            </a:lvl7pPr>
-            <a:lvl8pPr marL="3429000" indent="-228600" eaLnBrk="0" fontAlgn="base" hangingPunct="0">
-              <a:spcBef>
-                <a:spcPct val="20000"/>
-              </a:spcBef>
-              <a:spcAft>
-                <a:spcPct val="0"/>
-              </a:spcAft>
-              <a:buFont typeface="Arial" panose="020B0604020202020204" pitchFamily="34" charset="0"/>
-              <a:buChar char="»"/>
-              <a:defRPr sz="2000">
-                <a:solidFill>
-                  <a:schemeClr val="tx1"/>
-                </a:solidFill>
-                <a:latin typeface="맑은 고딕" panose="020B0503020000020004" pitchFamily="50" charset="-127"/>
-                <a:ea typeface="맑은 고딕" panose="020B0503020000020004" pitchFamily="50" charset="-127"/>
-              </a:defRPr>
-            </a:lvl8pPr>
-            <a:lvl9pPr marL="3886200" indent="-228600" eaLnBrk="0" fontAlgn="base" hangingPunct="0">
-              <a:spcBef>
-                <a:spcPct val="20000"/>
-              </a:spcBef>
-              <a:spcAft>
-                <a:spcPct val="0"/>
-              </a:spcAft>
-              <a:buFont typeface="Arial" panose="020B0604020202020204" pitchFamily="34" charset="0"/>
-              <a:buChar char="»"/>
-              <a:defRPr sz="2000">
-                <a:solidFill>
-                  <a:schemeClr val="tx1"/>
-                </a:solidFill>
-                <a:latin typeface="맑은 고딕" panose="020B0503020000020004" pitchFamily="50" charset="-127"/>
-                <a:ea typeface="맑은 고딕" panose="020B0503020000020004" pitchFamily="50" charset="-127"/>
-              </a:defRPr>
-            </a:lvl9pPr>
-          </a:lstStyle>
-          <a:p>
-            <a:pPr algn="ctr" eaLnBrk="1" hangingPunct="1">
-              <a:spcBef>
-                <a:spcPct val="0"/>
-              </a:spcBef>
-              <a:buFontTx/>
-              <a:buNone/>
-            </a:pPr>
-            <a:r>
-              <a:rPr lang="en-US" altLang="ko-KR" sz="1800"/>
-              <a:t>(</a:t>
-            </a:r>
-            <a:r>
-              <a:rPr lang="en-US" altLang="ko-KR" sz="1800" smtClean="0"/>
-              <a:t>2015. 01. 05)</a:t>
-            </a:r>
-            <a:endParaRPr lang="ko-KR" altLang="en-US" sz="1800"/>
-          </a:p>
-        </p:txBody>
-      </p:sp>
     </p:spTree>
     <p:extLst>
       <p:ext uri="{BB962C8B-B14F-4D97-AF65-F5344CB8AC3E}">
@@ -5238,7 +5038,7 @@
           <a:graphicData uri="http://schemas.openxmlformats.org/presentationml/2006/ole">
             <mc:AlternateContent xmlns:mc="http://schemas.openxmlformats.org/markup-compatibility/2006">
               <mc:Choice xmlns:v="urn:schemas-microsoft-com:vml" Requires="v">
-                <p:oleObj spid="_x0000_s3118" name="Image" r:id="rId3" imgW="1152360" imgH="1152360" progId="Photoshop.Image.13">
+                <p:oleObj spid="_x0000_s3120" name="Image" r:id="rId3" imgW="1152360" imgH="1152360" progId="Photoshop.Image.13">
                   <p:embed/>
                 </p:oleObj>
               </mc:Choice>
@@ -6364,25 +6164,7 @@
                 </a:solidFill>
                 <a:effectLst/>
               </a:rPr>
-              <a:t>1.3.9 </a:t>
-            </a:r>
-            <a:r>
-              <a:rPr lang="en-US" altLang="ko-KR" kern="1200" smtClean="0">
-                <a:solidFill>
-                  <a:schemeClr val="tx1"/>
-                </a:solidFill>
-                <a:effectLst/>
-              </a:rPr>
-              <a:t>{projectDir}/</a:t>
-            </a:r>
-            <a:r>
-              <a:rPr lang="en-US" altLang="ko-KR" kern="1200" smtClean="0">
-                <a:solidFill>
-                  <a:schemeClr val="tx1"/>
-                </a:solidFill>
-                <a:effectLst/>
-              </a:rPr>
-              <a:t>trunk/assets/ </a:t>
+              <a:t>1.3.9 {projectDir}/trunk/assets/ </a:t>
             </a:r>
             <a:r>
               <a:rPr lang="ko-KR" altLang="ko-KR" kern="1200" smtClean="0">
@@ -6469,7 +6251,6 @@
               <a:rPr lang="en-US" altLang="ko-KR" sz="1200"/>
               <a:t>.</a:t>
             </a:r>
-            <a:endParaRPr lang="en-US" altLang="ko-KR" sz="1200"/>
           </a:p>
         </p:txBody>
       </p:sp>
@@ -20984,7 +20765,7 @@
           <a:graphicData uri="http://schemas.openxmlformats.org/presentationml/2006/ole">
             <mc:AlternateContent xmlns:mc="http://schemas.openxmlformats.org/markup-compatibility/2006">
               <mc:Choice xmlns:v="urn:schemas-microsoft-com:vml" Requires="v">
-                <p:oleObj spid="_x0000_s5162" name="Image" r:id="rId4" imgW="1510920" imgH="1523520" progId="Photoshop.Image.13">
+                <p:oleObj spid="_x0000_s5164" name="Image" r:id="rId4" imgW="1510920" imgH="1523520" progId="Photoshop.Image.13">
                   <p:embed/>
                 </p:oleObj>
               </mc:Choice>
@@ -25134,7 +24915,7 @@
           <a:graphicData uri="http://schemas.openxmlformats.org/presentationml/2006/ole">
             <mc:AlternateContent xmlns:mc="http://schemas.openxmlformats.org/markup-compatibility/2006">
               <mc:Choice xmlns:v="urn:schemas-microsoft-com:vml" Requires="v">
-                <p:oleObj spid="_x0000_s4142" name="Image" r:id="rId3" imgW="7552080" imgH="10257120" progId="Photoshop.Image.13">
+                <p:oleObj spid="_x0000_s4144" name="Image" r:id="rId3" imgW="7552080" imgH="10257120" progId="Photoshop.Image.13">
                   <p:embed/>
                 </p:oleObj>
               </mc:Choice>
@@ -36621,7 +36402,7 @@
           <a:graphicData uri="http://schemas.openxmlformats.org/presentationml/2006/ole">
             <mc:AlternateContent xmlns:mc="http://schemas.openxmlformats.org/markup-compatibility/2006">
               <mc:Choice xmlns:v="urn:schemas-microsoft-com:vml" Requires="v">
-                <p:oleObj spid="_x0000_s6169" name="Image" r:id="rId3" imgW="11514240" imgH="4190400" progId="Photoshop.Image.13">
+                <p:oleObj spid="_x0000_s6171" name="Image" r:id="rId3" imgW="11514240" imgH="4190400" progId="Photoshop.Image.13">
                   <p:embed/>
                 </p:oleObj>
               </mc:Choice>
@@ -38527,7 +38308,7 @@
           <a:graphicData uri="http://schemas.openxmlformats.org/presentationml/2006/ole">
             <mc:AlternateContent xmlns:mc="http://schemas.openxmlformats.org/markup-compatibility/2006">
               <mc:Choice xmlns:v="urn:schemas-microsoft-com:vml" Requires="v">
-                <p:oleObj spid="_x0000_s7190" name="Image" r:id="rId3" imgW="11514240" imgH="5837760" progId="Photoshop.Image.13">
+                <p:oleObj spid="_x0000_s7192" name="Image" r:id="rId3" imgW="11514240" imgH="5837760" progId="Photoshop.Image.13">
                   <p:embed/>
                 </p:oleObj>
               </mc:Choice>
@@ -39254,7 +39035,7 @@
           <a:graphicData uri="http://schemas.openxmlformats.org/presentationml/2006/ole">
             <mc:AlternateContent xmlns:mc="http://schemas.openxmlformats.org/markup-compatibility/2006">
               <mc:Choice xmlns:v="urn:schemas-microsoft-com:vml" Requires="v">
-                <p:oleObj spid="_x0000_s2092" name="Image" r:id="rId3" imgW="1495080" imgH="1980720" progId="Photoshop.Image.13">
+                <p:oleObj spid="_x0000_s2094" name="Image" r:id="rId3" imgW="1495080" imgH="1980720" progId="Photoshop.Image.13">
                   <p:embed/>
                 </p:oleObj>
               </mc:Choice>
